--- a/Day36/DockerAndKubernetes_Training-Day36.pptx
+++ b/Day36/DockerAndKubernetes_Training-Day36.pptx
@@ -13662,7 +13662,7 @@
           <a:p>
             <a:r>
               <a:rPr lang="en-US" sz="4800" b="1" i="1" dirty="0"/>
-              <a:t>DAY 35</a:t>
+              <a:t>DAY 36</a:t>
             </a:r>
             <a:endParaRPr lang="en-IN" sz="4800" b="1" i="1" dirty="0"/>
           </a:p>
@@ -13792,8 +13792,8 @@
         </p:nvSpPr>
         <p:spPr>
           <a:xfrm>
-            <a:off x="717453" y="2431866"/>
-            <a:ext cx="9411285" cy="3727937"/>
+            <a:off x="970672" y="2445933"/>
+            <a:ext cx="8117058" cy="3727937"/>
           </a:xfrm>
           <a:prstGeom prst="rect">
             <a:avLst/>
@@ -14117,7 +14117,7 @@
           <a:p>
             <a:r>
               <a:rPr lang="en-US" dirty="0"/>
-              <a:t>Services</a:t>
+              <a:t>Services - Understanding</a:t>
             </a:r>
             <a:endParaRPr lang="en-IN" dirty="0"/>
           </a:p>
@@ -14380,8 +14380,62 @@
           <a:p>
             <a:r>
               <a:rPr lang="en-US" dirty="0"/>
-              <a:t>Refer Pdf for details</a:t>
+              <a:t>Refer Pdf &amp; Notes section for details</a:t>
             </a:r>
+          </a:p>
+          <a:p>
+            <a:r>
+              <a:rPr lang="en-US" dirty="0"/>
+              <a:t>Services in detail</a:t>
+            </a:r>
+          </a:p>
+          <a:p>
+            <a:pPr lvl="1"/>
+            <a:r>
+              <a:rPr lang="en-US" dirty="0" err="1"/>
+              <a:t>ClusterIp</a:t>
+            </a:r>
+            <a:endParaRPr lang="en-US" dirty="0"/>
+          </a:p>
+          <a:p>
+            <a:pPr lvl="1"/>
+            <a:r>
+              <a:rPr lang="en-US" dirty="0" err="1"/>
+              <a:t>NodePort</a:t>
+            </a:r>
+            <a:endParaRPr lang="en-US" dirty="0"/>
+          </a:p>
+          <a:p>
+            <a:pPr lvl="1"/>
+            <a:r>
+              <a:rPr lang="en-US" dirty="0" err="1"/>
+              <a:t>LoadBalancer</a:t>
+            </a:r>
+            <a:endParaRPr lang="en-US" dirty="0"/>
+          </a:p>
+          <a:p>
+            <a:pPr lvl="1"/>
+            <a:r>
+              <a:rPr lang="en-US" dirty="0"/>
+              <a:t>Headless Services</a:t>
+            </a:r>
+          </a:p>
+          <a:p>
+            <a:pPr lvl="1"/>
+            <a:r>
+              <a:rPr lang="en-US" dirty="0"/>
+              <a:t>External Services</a:t>
+            </a:r>
+          </a:p>
+          <a:p>
+            <a:pPr lvl="1"/>
+            <a:r>
+              <a:rPr lang="en-US" dirty="0"/>
+              <a:t>Internal Services</a:t>
+            </a:r>
+          </a:p>
+          <a:p>
+            <a:endParaRPr lang="en-US" dirty="0"/>
           </a:p>
           <a:p>
             <a:pPr lvl="1"/>
@@ -14712,7 +14766,25 @@
           <a:p>
             <a:r>
               <a:rPr lang="en-US" dirty="0"/>
-              <a:t>Refer Pdf for details</a:t>
+              <a:t>Ingress understanding</a:t>
+            </a:r>
+          </a:p>
+          <a:p>
+            <a:r>
+              <a:rPr lang="en-US" dirty="0"/>
+              <a:t>Ingress use-case &amp; need</a:t>
+            </a:r>
+          </a:p>
+          <a:p>
+            <a:r>
+              <a:rPr lang="en-US" dirty="0"/>
+              <a:t>Architectural discussion</a:t>
+            </a:r>
+          </a:p>
+          <a:p>
+            <a:r>
+              <a:rPr lang="en-US" dirty="0"/>
+              <a:t>Ingress integration components</a:t>
             </a:r>
           </a:p>
           <a:p>
@@ -14804,14 +14876,143 @@
         </p:spPr>
         <p:txBody>
           <a:bodyPr>
-            <a:normAutofit/>
+            <a:normAutofit fontScale="77500" lnSpcReduction="20000"/>
           </a:bodyPr>
           <a:lstStyle/>
           <a:p>
             <a:r>
               <a:rPr lang="en-US" dirty="0"/>
-              <a:t>Refer note section for all the links</a:t>
+              <a:t>Services:</a:t>
             </a:r>
+          </a:p>
+          <a:p>
+            <a:pPr lvl="1"/>
+            <a:r>
+              <a:rPr lang="en-US" dirty="0"/>
+              <a:t>https://kubernetes.io/docs/concepts/services-networking/connect-applications-service/</a:t>
+            </a:r>
+          </a:p>
+          <a:p>
+            <a:pPr lvl="1"/>
+            <a:r>
+              <a:rPr lang="en-US" dirty="0"/>
+              <a:t>Images: https://theithollow.com/wp-content/uploads/2019/01/image-9-1024x375.png</a:t>
+            </a:r>
+          </a:p>
+          <a:p>
+            <a:r>
+              <a:rPr lang="en-US" dirty="0"/>
+              <a:t>Consideration for large cluster:</a:t>
+            </a:r>
+          </a:p>
+          <a:p>
+            <a:pPr lvl="1"/>
+            <a:r>
+              <a:rPr lang="en-US" dirty="0">
+                <a:hlinkClick r:id="rId2"/>
+              </a:rPr>
+              <a:t>https://kubernetes.io/docs/setup/best-practices/cluster-large/#:~:text=No%20more%20than%20110%20pods,more%20than%20150%2C000%20total%20pods</a:t>
+            </a:r>
+            <a:r>
+              <a:rPr lang="en-US" dirty="0"/>
+              <a:t>Ingress:</a:t>
+            </a:r>
+          </a:p>
+          <a:p>
+            <a:r>
+              <a:rPr lang="en-US" dirty="0"/>
+              <a:t>Ingress</a:t>
+            </a:r>
+          </a:p>
+          <a:p>
+            <a:pPr marL="685800" lvl="1">
+              <a:buFont typeface="Wingdings" panose="05000000000000000000" pitchFamily="2" charset="2"/>
+              <a:buChar char="Ø"/>
+            </a:pPr>
+            <a:r>
+              <a:rPr lang="en-US" dirty="0"/>
+              <a:t>https://kubernetes.io/docs/concepts/services-networking/ingress/</a:t>
+            </a:r>
+          </a:p>
+          <a:p>
+            <a:pPr marL="685800" lvl="1">
+              <a:buFont typeface="Wingdings" panose="05000000000000000000" pitchFamily="2" charset="2"/>
+              <a:buChar char="Ø"/>
+            </a:pPr>
+            <a:r>
+              <a:rPr lang="en-US" dirty="0"/>
+              <a:t>https://kubernetes.io/docs/concepts/services-networking/ingress-controllers/</a:t>
+            </a:r>
+          </a:p>
+          <a:p>
+            <a:pPr marL="685800" lvl="1">
+              <a:buFont typeface="Wingdings" panose="05000000000000000000" pitchFamily="2" charset="2"/>
+              <a:buChar char="Ø"/>
+            </a:pPr>
+            <a:r>
+              <a:rPr lang="en-US" dirty="0"/>
+              <a:t>https://devopscube.com/kubernetes-ingress-tutorial/</a:t>
+            </a:r>
+          </a:p>
+          <a:p>
+            <a:pPr marL="685800" lvl="1">
+              <a:buFont typeface="Wingdings" panose="05000000000000000000" pitchFamily="2" charset="2"/>
+              <a:buChar char="Ø"/>
+            </a:pPr>
+            <a:r>
+              <a:rPr lang="en-US" dirty="0"/>
+              <a:t>https://devopscube.com/setup-ingress-kubernetes-nginx-controller/</a:t>
+            </a:r>
+          </a:p>
+          <a:p>
+            <a:pPr marL="685800" lvl="1">
+              <a:buFont typeface="Wingdings" panose="05000000000000000000" pitchFamily="2" charset="2"/>
+              <a:buChar char="Ø"/>
+            </a:pPr>
+            <a:r>
+              <a:rPr lang="en-US" dirty="0"/>
+              <a:t>https://www.ibm.com/cloud/blog/kubernetes-ingress</a:t>
+            </a:r>
+          </a:p>
+          <a:p>
+            <a:pPr marL="685800" lvl="1">
+              <a:buFont typeface="Wingdings" panose="05000000000000000000" pitchFamily="2" charset="2"/>
+              <a:buChar char="Ø"/>
+            </a:pPr>
+            <a:r>
+              <a:rPr lang="en-US" dirty="0"/>
+              <a:t>https://www.bmc.com/blogs/kubernetes-ingress/</a:t>
+            </a:r>
+          </a:p>
+          <a:p>
+            <a:pPr marL="0" indent="0">
+              <a:buNone/>
+            </a:pPr>
+            <a:r>
+              <a:rPr lang="en-US" dirty="0"/>
+              <a:t>			</a:t>
+            </a:r>
+          </a:p>
+          <a:p>
+            <a:pPr marL="400050" lvl="1" indent="0">
+              <a:buNone/>
+            </a:pPr>
+            <a:r>
+              <a:rPr lang="en-US" dirty="0"/>
+              <a:t>	</a:t>
+            </a:r>
+          </a:p>
+          <a:p>
+            <a:pPr marL="0" indent="0">
+              <a:buNone/>
+            </a:pPr>
+            <a:endParaRPr lang="en-US" dirty="0"/>
+          </a:p>
+          <a:p>
+            <a:pPr marL="0" indent="0">
+              <a:buNone/>
+            </a:pPr>
+            <a:endParaRPr lang="en-US" dirty="0"/>
           </a:p>
         </p:txBody>
       </p:sp>
